--- a/trabalho de testes apresentação.pptx
+++ b/trabalho de testes apresentação.pptx
@@ -2,17 +2,24 @@
 <file path=ppt/presentation.xml><?xml version="1.0" encoding="utf-8"?>
 <p:presentation xmlns:a="http://schemas.openxmlformats.org/drawingml/2006/main" xmlns:r="http://schemas.openxmlformats.org/officeDocument/2006/relationships" xmlns:p="http://schemas.openxmlformats.org/presentationml/2006/main" saveSubsetFonts="1">
   <p:sldMasterIdLst>
-    <p:sldMasterId id="2147483648" r:id="rId1"/>
+    <p:sldMasterId id="2147483695" r:id="rId1"/>
   </p:sldMasterIdLst>
   <p:sldIdLst>
     <p:sldId id="256" r:id="rId2"/>
     <p:sldId id="257" r:id="rId3"/>
     <p:sldId id="258" r:id="rId4"/>
     <p:sldId id="259" r:id="rId5"/>
-    <p:sldId id="260" r:id="rId6"/>
-    <p:sldId id="261" r:id="rId7"/>
-    <p:sldId id="262" r:id="rId8"/>
-    <p:sldId id="263" r:id="rId9"/>
+    <p:sldId id="267" r:id="rId6"/>
+    <p:sldId id="264" r:id="rId7"/>
+    <p:sldId id="265" r:id="rId8"/>
+    <p:sldId id="266" r:id="rId9"/>
+    <p:sldId id="260" r:id="rId10"/>
+    <p:sldId id="261" r:id="rId11"/>
+    <p:sldId id="262" r:id="rId12"/>
+    <p:sldId id="263" r:id="rId13"/>
+    <p:sldId id="268" r:id="rId14"/>
+    <p:sldId id="269" r:id="rId15"/>
+    <p:sldId id="270" r:id="rId16"/>
   </p:sldIdLst>
   <p:sldSz cx="12192000" cy="6858000"/>
   <p:notesSz cx="6858000" cy="9144000"/>
@@ -111,6 +118,11 @@
       </a:defRPr>
     </a:lvl9pPr>
   </p:defaultTextStyle>
+  <p:extLst>
+    <p:ext uri="{EFAFB233-063F-42B5-8137-9DF3F51BA10A}">
+      <p15:sldGuideLst xmlns:p15="http://schemas.microsoft.com/office/powerpoint/2012/main"/>
+    </p:ext>
+  </p:extLst>
 </p:presentation>
 </file>
 
@@ -245,7 +257,7 @@
           <a:p>
             <a:fld id="{FDF68EC0-5034-4F45-827C-CBC2F8F83EF1}" type="datetimeFigureOut">
               <a:rPr lang="pt-BR" smtClean="0"/>
-              <a:t>24/11/2019</a:t>
+              <a:t>27/11/2019</a:t>
             </a:fld>
             <a:endParaRPr lang="pt-BR"/>
           </a:p>
@@ -296,7 +308,7 @@
     </p:spTree>
     <p:extLst>
       <p:ext uri="{BB962C8B-B14F-4D97-AF65-F5344CB8AC3E}">
-        <p14:creationId xmlns:p14="http://schemas.microsoft.com/office/powerpoint/2010/main" val="1723602330"/>
+        <p14:creationId xmlns:p14="http://schemas.microsoft.com/office/powerpoint/2010/main" val="1681642052"/>
       </p:ext>
     </p:extLst>
   </p:cSld>
@@ -415,7 +427,7 @@
           <a:p>
             <a:fld id="{FDF68EC0-5034-4F45-827C-CBC2F8F83EF1}" type="datetimeFigureOut">
               <a:rPr lang="pt-BR" smtClean="0"/>
-              <a:t>24/11/2019</a:t>
+              <a:t>27/11/2019</a:t>
             </a:fld>
             <a:endParaRPr lang="pt-BR"/>
           </a:p>
@@ -466,7 +478,7 @@
     </p:spTree>
     <p:extLst>
       <p:ext uri="{BB962C8B-B14F-4D97-AF65-F5344CB8AC3E}">
-        <p14:creationId xmlns:p14="http://schemas.microsoft.com/office/powerpoint/2010/main" val="3794145271"/>
+        <p14:creationId xmlns:p14="http://schemas.microsoft.com/office/powerpoint/2010/main" val="4150662"/>
       </p:ext>
     </p:extLst>
   </p:cSld>
@@ -595,7 +607,7 @@
           <a:p>
             <a:fld id="{FDF68EC0-5034-4F45-827C-CBC2F8F83EF1}" type="datetimeFigureOut">
               <a:rPr lang="pt-BR" smtClean="0"/>
-              <a:t>24/11/2019</a:t>
+              <a:t>27/11/2019</a:t>
             </a:fld>
             <a:endParaRPr lang="pt-BR"/>
           </a:p>
@@ -646,7 +658,7 @@
     </p:spTree>
     <p:extLst>
       <p:ext uri="{BB962C8B-B14F-4D97-AF65-F5344CB8AC3E}">
-        <p14:creationId xmlns:p14="http://schemas.microsoft.com/office/powerpoint/2010/main" val="2493690490"/>
+        <p14:creationId xmlns:p14="http://schemas.microsoft.com/office/powerpoint/2010/main" val="1654730853"/>
       </p:ext>
     </p:extLst>
   </p:cSld>
@@ -765,7 +777,7 @@
           <a:p>
             <a:fld id="{FDF68EC0-5034-4F45-827C-CBC2F8F83EF1}" type="datetimeFigureOut">
               <a:rPr lang="pt-BR" smtClean="0"/>
-              <a:t>24/11/2019</a:t>
+              <a:t>27/11/2019</a:t>
             </a:fld>
             <a:endParaRPr lang="pt-BR"/>
           </a:p>
@@ -816,7 +828,7 @@
     </p:spTree>
     <p:extLst>
       <p:ext uri="{BB962C8B-B14F-4D97-AF65-F5344CB8AC3E}">
-        <p14:creationId xmlns:p14="http://schemas.microsoft.com/office/powerpoint/2010/main" val="3809724350"/>
+        <p14:creationId xmlns:p14="http://schemas.microsoft.com/office/powerpoint/2010/main" val="288034819"/>
       </p:ext>
     </p:extLst>
   </p:cSld>
@@ -1011,7 +1023,7 @@
           <a:p>
             <a:fld id="{FDF68EC0-5034-4F45-827C-CBC2F8F83EF1}" type="datetimeFigureOut">
               <a:rPr lang="pt-BR" smtClean="0"/>
-              <a:t>24/11/2019</a:t>
+              <a:t>27/11/2019</a:t>
             </a:fld>
             <a:endParaRPr lang="pt-BR"/>
           </a:p>
@@ -1062,7 +1074,7 @@
     </p:spTree>
     <p:extLst>
       <p:ext uri="{BB962C8B-B14F-4D97-AF65-F5344CB8AC3E}">
-        <p14:creationId xmlns:p14="http://schemas.microsoft.com/office/powerpoint/2010/main" val="3292914724"/>
+        <p14:creationId xmlns:p14="http://schemas.microsoft.com/office/powerpoint/2010/main" val="1020569756"/>
       </p:ext>
     </p:extLst>
   </p:cSld>
@@ -1243,7 +1255,7 @@
           <a:p>
             <a:fld id="{FDF68EC0-5034-4F45-827C-CBC2F8F83EF1}" type="datetimeFigureOut">
               <a:rPr lang="pt-BR" smtClean="0"/>
-              <a:t>24/11/2019</a:t>
+              <a:t>27/11/2019</a:t>
             </a:fld>
             <a:endParaRPr lang="pt-BR"/>
           </a:p>
@@ -1294,7 +1306,7 @@
     </p:spTree>
     <p:extLst>
       <p:ext uri="{BB962C8B-B14F-4D97-AF65-F5344CB8AC3E}">
-        <p14:creationId xmlns:p14="http://schemas.microsoft.com/office/powerpoint/2010/main" val="2170591620"/>
+        <p14:creationId xmlns:p14="http://schemas.microsoft.com/office/powerpoint/2010/main" val="2279155745"/>
       </p:ext>
     </p:extLst>
   </p:cSld>
@@ -1610,7 +1622,7 @@
           <a:p>
             <a:fld id="{FDF68EC0-5034-4F45-827C-CBC2F8F83EF1}" type="datetimeFigureOut">
               <a:rPr lang="pt-BR" smtClean="0"/>
-              <a:t>24/11/2019</a:t>
+              <a:t>27/11/2019</a:t>
             </a:fld>
             <a:endParaRPr lang="pt-BR"/>
           </a:p>
@@ -1661,7 +1673,7 @@
     </p:spTree>
     <p:extLst>
       <p:ext uri="{BB962C8B-B14F-4D97-AF65-F5344CB8AC3E}">
-        <p14:creationId xmlns:p14="http://schemas.microsoft.com/office/powerpoint/2010/main" val="1123949824"/>
+        <p14:creationId xmlns:p14="http://schemas.microsoft.com/office/powerpoint/2010/main" val="953077332"/>
       </p:ext>
     </p:extLst>
   </p:cSld>
@@ -1728,7 +1740,7 @@
           <a:p>
             <a:fld id="{FDF68EC0-5034-4F45-827C-CBC2F8F83EF1}" type="datetimeFigureOut">
               <a:rPr lang="pt-BR" smtClean="0"/>
-              <a:t>24/11/2019</a:t>
+              <a:t>27/11/2019</a:t>
             </a:fld>
             <a:endParaRPr lang="pt-BR"/>
           </a:p>
@@ -1779,7 +1791,7 @@
     </p:spTree>
     <p:extLst>
       <p:ext uri="{BB962C8B-B14F-4D97-AF65-F5344CB8AC3E}">
-        <p14:creationId xmlns:p14="http://schemas.microsoft.com/office/powerpoint/2010/main" val="2860516123"/>
+        <p14:creationId xmlns:p14="http://schemas.microsoft.com/office/powerpoint/2010/main" val="646015212"/>
       </p:ext>
     </p:extLst>
   </p:cSld>
@@ -1823,7 +1835,7 @@
           <a:p>
             <a:fld id="{FDF68EC0-5034-4F45-827C-CBC2F8F83EF1}" type="datetimeFigureOut">
               <a:rPr lang="pt-BR" smtClean="0"/>
-              <a:t>24/11/2019</a:t>
+              <a:t>27/11/2019</a:t>
             </a:fld>
             <a:endParaRPr lang="pt-BR"/>
           </a:p>
@@ -1874,7 +1886,7 @@
     </p:spTree>
     <p:extLst>
       <p:ext uri="{BB962C8B-B14F-4D97-AF65-F5344CB8AC3E}">
-        <p14:creationId xmlns:p14="http://schemas.microsoft.com/office/powerpoint/2010/main" val="3624377792"/>
+        <p14:creationId xmlns:p14="http://schemas.microsoft.com/office/powerpoint/2010/main" val="1689885756"/>
       </p:ext>
     </p:extLst>
   </p:cSld>
@@ -2100,7 +2112,7 @@
           <a:p>
             <a:fld id="{FDF68EC0-5034-4F45-827C-CBC2F8F83EF1}" type="datetimeFigureOut">
               <a:rPr lang="pt-BR" smtClean="0"/>
-              <a:t>24/11/2019</a:t>
+              <a:t>27/11/2019</a:t>
             </a:fld>
             <a:endParaRPr lang="pt-BR"/>
           </a:p>
@@ -2151,7 +2163,7 @@
     </p:spTree>
     <p:extLst>
       <p:ext uri="{BB962C8B-B14F-4D97-AF65-F5344CB8AC3E}">
-        <p14:creationId xmlns:p14="http://schemas.microsoft.com/office/powerpoint/2010/main" val="2361848916"/>
+        <p14:creationId xmlns:p14="http://schemas.microsoft.com/office/powerpoint/2010/main" val="1468096547"/>
       </p:ext>
     </p:extLst>
   </p:cSld>
@@ -2353,7 +2365,7 @@
           <a:p>
             <a:fld id="{FDF68EC0-5034-4F45-827C-CBC2F8F83EF1}" type="datetimeFigureOut">
               <a:rPr lang="pt-BR" smtClean="0"/>
-              <a:t>24/11/2019</a:t>
+              <a:t>27/11/2019</a:t>
             </a:fld>
             <a:endParaRPr lang="pt-BR"/>
           </a:p>
@@ -2404,7 +2416,7 @@
     </p:spTree>
     <p:extLst>
       <p:ext uri="{BB962C8B-B14F-4D97-AF65-F5344CB8AC3E}">
-        <p14:creationId xmlns:p14="http://schemas.microsoft.com/office/powerpoint/2010/main" val="524190782"/>
+        <p14:creationId xmlns:p14="http://schemas.microsoft.com/office/powerpoint/2010/main" val="1492929322"/>
       </p:ext>
     </p:extLst>
   </p:cSld>
@@ -2566,7 +2578,7 @@
           <a:p>
             <a:fld id="{FDF68EC0-5034-4F45-827C-CBC2F8F83EF1}" type="datetimeFigureOut">
               <a:rPr lang="pt-BR" smtClean="0"/>
-              <a:t>24/11/2019</a:t>
+              <a:t>27/11/2019</a:t>
             </a:fld>
             <a:endParaRPr lang="pt-BR"/>
           </a:p>
@@ -2653,23 +2665,23 @@
     </p:spTree>
     <p:extLst>
       <p:ext uri="{BB962C8B-B14F-4D97-AF65-F5344CB8AC3E}">
-        <p14:creationId xmlns:p14="http://schemas.microsoft.com/office/powerpoint/2010/main" val="1160857163"/>
+        <p14:creationId xmlns:p14="http://schemas.microsoft.com/office/powerpoint/2010/main" val="4108647454"/>
       </p:ext>
     </p:extLst>
   </p:cSld>
   <p:clrMap bg1="lt1" tx1="dk1" bg2="lt2" tx2="dk2" accent1="accent1" accent2="accent2" accent3="accent3" accent4="accent4" accent5="accent5" accent6="accent6" hlink="hlink" folHlink="folHlink"/>
   <p:sldLayoutIdLst>
-    <p:sldLayoutId id="2147483649" r:id="rId1"/>
-    <p:sldLayoutId id="2147483650" r:id="rId2"/>
-    <p:sldLayoutId id="2147483651" r:id="rId3"/>
-    <p:sldLayoutId id="2147483652" r:id="rId4"/>
-    <p:sldLayoutId id="2147483653" r:id="rId5"/>
-    <p:sldLayoutId id="2147483654" r:id="rId6"/>
-    <p:sldLayoutId id="2147483655" r:id="rId7"/>
-    <p:sldLayoutId id="2147483656" r:id="rId8"/>
-    <p:sldLayoutId id="2147483657" r:id="rId9"/>
-    <p:sldLayoutId id="2147483658" r:id="rId10"/>
-    <p:sldLayoutId id="2147483659" r:id="rId11"/>
+    <p:sldLayoutId id="2147483696" r:id="rId1"/>
+    <p:sldLayoutId id="2147483697" r:id="rId2"/>
+    <p:sldLayoutId id="2147483698" r:id="rId3"/>
+    <p:sldLayoutId id="2147483699" r:id="rId4"/>
+    <p:sldLayoutId id="2147483700" r:id="rId5"/>
+    <p:sldLayoutId id="2147483701" r:id="rId6"/>
+    <p:sldLayoutId id="2147483702" r:id="rId7"/>
+    <p:sldLayoutId id="2147483703" r:id="rId8"/>
+    <p:sldLayoutId id="2147483704" r:id="rId9"/>
+    <p:sldLayoutId id="2147483705" r:id="rId10"/>
+    <p:sldLayoutId id="2147483706" r:id="rId11"/>
   </p:sldLayoutIdLst>
   <p:txStyles>
     <p:titleStyle>
@@ -2957,6 +2969,14 @@
 <file path=ppt/slides/slide1.xml><?xml version="1.0" encoding="utf-8"?>
 <p:sld xmlns:a="http://schemas.openxmlformats.org/drawingml/2006/main" xmlns:r="http://schemas.openxmlformats.org/officeDocument/2006/relationships" xmlns:p="http://schemas.openxmlformats.org/presentationml/2006/main">
   <p:cSld>
+    <p:bg>
+      <p:bgPr>
+        <a:solidFill>
+          <a:schemeClr val="bg1"/>
+        </a:solidFill>
+        <a:effectLst/>
+      </p:bgPr>
+    </p:bg>
     <p:spTree>
       <p:nvGrpSpPr>
         <p:cNvPr id="1" name=""/>
@@ -3092,6 +3112,643 @@
   <p:clrMapOvr>
     <a:masterClrMapping/>
   </p:clrMapOvr>
+  <p:timing>
+    <p:tnLst>
+      <p:par>
+        <p:cTn id="1" dur="indefinite" restart="never" nodeType="tmRoot"/>
+      </p:par>
+    </p:tnLst>
+  </p:timing>
+</p:sld>
+</file>
+
+<file path=ppt/slides/slide10.xml><?xml version="1.0" encoding="utf-8"?>
+<p:sld xmlns:a="http://schemas.openxmlformats.org/drawingml/2006/main" xmlns:r="http://schemas.openxmlformats.org/officeDocument/2006/relationships" xmlns:p="http://schemas.openxmlformats.org/presentationml/2006/main">
+  <p:cSld>
+    <p:spTree>
+      <p:nvGrpSpPr>
+        <p:cNvPr id="1" name=""/>
+        <p:cNvGrpSpPr/>
+        <p:nvPr/>
+      </p:nvGrpSpPr>
+      <p:grpSpPr>
+        <a:xfrm>
+          <a:off x="0" y="0"/>
+          <a:ext cx="0" cy="0"/>
+          <a:chOff x="0" y="0"/>
+          <a:chExt cx="0" cy="0"/>
+        </a:xfrm>
+      </p:grpSpPr>
+      <p:sp>
+        <p:nvSpPr>
+          <p:cNvPr id="2" name="Título 1"/>
+          <p:cNvSpPr>
+            <a:spLocks noGrp="1"/>
+          </p:cNvSpPr>
+          <p:nvPr>
+            <p:ph type="title"/>
+          </p:nvPr>
+        </p:nvSpPr>
+        <p:spPr>
+          <a:xfrm>
+            <a:off x="838200" y="0"/>
+            <a:ext cx="10515600" cy="1325563"/>
+          </a:xfrm>
+        </p:spPr>
+        <p:txBody>
+          <a:bodyPr/>
+          <a:lstStyle/>
+          <a:p>
+            <a:pPr algn="ctr"/>
+            <a:r>
+              <a:rPr lang="pt-BR" dirty="0" smtClean="0"/>
+              <a:t>Exemplo de teste usando </a:t>
+            </a:r>
+            <a:r>
+              <a:rPr lang="pt-BR" dirty="0" err="1" smtClean="0"/>
+              <a:t>Postman</a:t>
+            </a:r>
+            <a:endParaRPr lang="pt-BR" dirty="0"/>
+          </a:p>
+        </p:txBody>
+      </p:sp>
+      <p:pic>
+        <p:nvPicPr>
+          <p:cNvPr id="5" name="Imagem 4"/>
+          <p:cNvPicPr>
+            <a:picLocks noChangeAspect="1"/>
+          </p:cNvPicPr>
+          <p:nvPr/>
+        </p:nvPicPr>
+        <p:blipFill>
+          <a:blip r:embed="rId2"/>
+          <a:stretch>
+            <a:fillRect/>
+          </a:stretch>
+        </p:blipFill>
+        <p:spPr>
+          <a:xfrm>
+            <a:off x="1171575" y="1005137"/>
+            <a:ext cx="9848850" cy="5219199"/>
+          </a:xfrm>
+          <a:prstGeom prst="rect">
+            <a:avLst/>
+          </a:prstGeom>
+        </p:spPr>
+      </p:pic>
+    </p:spTree>
+    <p:extLst>
+      <p:ext uri="{BB962C8B-B14F-4D97-AF65-F5344CB8AC3E}">
+        <p14:creationId xmlns:p14="http://schemas.microsoft.com/office/powerpoint/2010/main" val="4080656680"/>
+      </p:ext>
+    </p:extLst>
+  </p:cSld>
+  <p:clrMapOvr>
+    <a:masterClrMapping/>
+  </p:clrMapOvr>
+</p:sld>
+</file>
+
+<file path=ppt/slides/slide11.xml><?xml version="1.0" encoding="utf-8"?>
+<p:sld xmlns:a="http://schemas.openxmlformats.org/drawingml/2006/main" xmlns:r="http://schemas.openxmlformats.org/officeDocument/2006/relationships" xmlns:p="http://schemas.openxmlformats.org/presentationml/2006/main">
+  <p:cSld>
+    <p:spTree>
+      <p:nvGrpSpPr>
+        <p:cNvPr id="1" name=""/>
+        <p:cNvGrpSpPr/>
+        <p:nvPr/>
+      </p:nvGrpSpPr>
+      <p:grpSpPr>
+        <a:xfrm>
+          <a:off x="0" y="0"/>
+          <a:ext cx="0" cy="0"/>
+          <a:chOff x="0" y="0"/>
+          <a:chExt cx="0" cy="0"/>
+        </a:xfrm>
+      </p:grpSpPr>
+      <p:sp>
+        <p:nvSpPr>
+          <p:cNvPr id="2" name="Título 1"/>
+          <p:cNvSpPr>
+            <a:spLocks noGrp="1"/>
+          </p:cNvSpPr>
+          <p:nvPr>
+            <p:ph type="title"/>
+          </p:nvPr>
+        </p:nvSpPr>
+        <p:spPr>
+          <a:xfrm>
+            <a:off x="1062789" y="0"/>
+            <a:ext cx="10515600" cy="1325563"/>
+          </a:xfrm>
+        </p:spPr>
+        <p:txBody>
+          <a:bodyPr/>
+          <a:lstStyle/>
+          <a:p>
+            <a:pPr algn="ctr"/>
+            <a:r>
+              <a:rPr lang="pt-BR" dirty="0" smtClean="0"/>
+              <a:t>Exemplo de teste usando REST-</a:t>
+            </a:r>
+            <a:r>
+              <a:rPr lang="pt-BR" dirty="0" err="1" smtClean="0"/>
+              <a:t>Assured</a:t>
+            </a:r>
+            <a:endParaRPr lang="pt-BR" dirty="0"/>
+          </a:p>
+        </p:txBody>
+      </p:sp>
+      <p:pic>
+        <p:nvPicPr>
+          <p:cNvPr id="3" name="Imagem 2"/>
+          <p:cNvPicPr>
+            <a:picLocks noChangeAspect="1"/>
+          </p:cNvPicPr>
+          <p:nvPr/>
+        </p:nvPicPr>
+        <p:blipFill>
+          <a:blip r:embed="rId2"/>
+          <a:stretch>
+            <a:fillRect/>
+          </a:stretch>
+        </p:blipFill>
+        <p:spPr>
+          <a:xfrm>
+            <a:off x="3039227" y="1222709"/>
+            <a:ext cx="6562725" cy="5086350"/>
+          </a:xfrm>
+          <a:prstGeom prst="rect">
+            <a:avLst/>
+          </a:prstGeom>
+        </p:spPr>
+      </p:pic>
+    </p:spTree>
+    <p:extLst>
+      <p:ext uri="{BB962C8B-B14F-4D97-AF65-F5344CB8AC3E}">
+        <p14:creationId xmlns:p14="http://schemas.microsoft.com/office/powerpoint/2010/main" val="3252310823"/>
+      </p:ext>
+    </p:extLst>
+  </p:cSld>
+  <p:clrMapOvr>
+    <a:masterClrMapping/>
+  </p:clrMapOvr>
+</p:sld>
+</file>
+
+<file path=ppt/slides/slide12.xml><?xml version="1.0" encoding="utf-8"?>
+<p:sld xmlns:a="http://schemas.openxmlformats.org/drawingml/2006/main" xmlns:r="http://schemas.openxmlformats.org/officeDocument/2006/relationships" xmlns:p="http://schemas.openxmlformats.org/presentationml/2006/main">
+  <p:cSld>
+    <p:spTree>
+      <p:nvGrpSpPr>
+        <p:cNvPr id="1" name=""/>
+        <p:cNvGrpSpPr/>
+        <p:nvPr/>
+      </p:nvGrpSpPr>
+      <p:grpSpPr>
+        <a:xfrm>
+          <a:off x="0" y="0"/>
+          <a:ext cx="0" cy="0"/>
+          <a:chOff x="0" y="0"/>
+          <a:chExt cx="0" cy="0"/>
+        </a:xfrm>
+      </p:grpSpPr>
+      <p:sp>
+        <p:nvSpPr>
+          <p:cNvPr id="2" name="Título 1"/>
+          <p:cNvSpPr>
+            <a:spLocks noGrp="1"/>
+          </p:cNvSpPr>
+          <p:nvPr>
+            <p:ph type="title"/>
+          </p:nvPr>
+        </p:nvSpPr>
+        <p:spPr/>
+        <p:txBody>
+          <a:bodyPr/>
+          <a:lstStyle/>
+          <a:p>
+            <a:pPr algn="ctr"/>
+            <a:r>
+              <a:rPr lang="pt-BR" dirty="0" smtClean="0"/>
+              <a:t>Exemplo de teste usando </a:t>
+            </a:r>
+            <a:r>
+              <a:rPr lang="pt-BR" dirty="0" err="1" smtClean="0"/>
+              <a:t>Selenium</a:t>
+            </a:r>
+            <a:endParaRPr lang="pt-BR" dirty="0"/>
+          </a:p>
+        </p:txBody>
+      </p:sp>
+      <p:pic>
+        <p:nvPicPr>
+          <p:cNvPr id="3" name="Imagem 2"/>
+          <p:cNvPicPr>
+            <a:picLocks noChangeAspect="1"/>
+          </p:cNvPicPr>
+          <p:nvPr/>
+        </p:nvPicPr>
+        <p:blipFill>
+          <a:blip r:embed="rId2"/>
+          <a:stretch>
+            <a:fillRect/>
+          </a:stretch>
+        </p:blipFill>
+        <p:spPr>
+          <a:xfrm>
+            <a:off x="122526" y="1320224"/>
+            <a:ext cx="6186898" cy="4397086"/>
+          </a:xfrm>
+          <a:prstGeom prst="rect">
+            <a:avLst/>
+          </a:prstGeom>
+        </p:spPr>
+      </p:pic>
+      <p:pic>
+        <p:nvPicPr>
+          <p:cNvPr id="4" name="Imagem 3"/>
+          <p:cNvPicPr>
+            <a:picLocks noChangeAspect="1"/>
+          </p:cNvPicPr>
+          <p:nvPr/>
+        </p:nvPicPr>
+        <p:blipFill>
+          <a:blip r:embed="rId3"/>
+          <a:stretch>
+            <a:fillRect/>
+          </a:stretch>
+        </p:blipFill>
+        <p:spPr>
+          <a:xfrm>
+            <a:off x="6096000" y="1320224"/>
+            <a:ext cx="5905500" cy="3762375"/>
+          </a:xfrm>
+          <a:prstGeom prst="rect">
+            <a:avLst/>
+          </a:prstGeom>
+        </p:spPr>
+      </p:pic>
+    </p:spTree>
+    <p:extLst>
+      <p:ext uri="{BB962C8B-B14F-4D97-AF65-F5344CB8AC3E}">
+        <p14:creationId xmlns:p14="http://schemas.microsoft.com/office/powerpoint/2010/main" val="2936259836"/>
+      </p:ext>
+    </p:extLst>
+  </p:cSld>
+  <p:clrMapOvr>
+    <a:masterClrMapping/>
+  </p:clrMapOvr>
+  <p:timing>
+    <p:tnLst>
+      <p:par>
+        <p:cTn id="1" dur="indefinite" restart="never" nodeType="tmRoot"/>
+      </p:par>
+    </p:tnLst>
+  </p:timing>
+</p:sld>
+</file>
+
+<file path=ppt/slides/slide13.xml><?xml version="1.0" encoding="utf-8"?>
+<p:sld xmlns:a="http://schemas.openxmlformats.org/drawingml/2006/main" xmlns:r="http://schemas.openxmlformats.org/officeDocument/2006/relationships" xmlns:p="http://schemas.openxmlformats.org/presentationml/2006/main">
+  <p:cSld>
+    <p:spTree>
+      <p:nvGrpSpPr>
+        <p:cNvPr id="1" name=""/>
+        <p:cNvGrpSpPr/>
+        <p:nvPr/>
+      </p:nvGrpSpPr>
+      <p:grpSpPr>
+        <a:xfrm>
+          <a:off x="0" y="0"/>
+          <a:ext cx="0" cy="0"/>
+          <a:chOff x="0" y="0"/>
+          <a:chExt cx="0" cy="0"/>
+        </a:xfrm>
+      </p:grpSpPr>
+      <p:sp>
+        <p:nvSpPr>
+          <p:cNvPr id="2" name="Título 1"/>
+          <p:cNvSpPr>
+            <a:spLocks noGrp="1"/>
+          </p:cNvSpPr>
+          <p:nvPr>
+            <p:ph type="title"/>
+          </p:nvPr>
+        </p:nvSpPr>
+        <p:spPr>
+          <a:xfrm>
+            <a:off x="801254" y="415637"/>
+            <a:ext cx="10515600" cy="951345"/>
+          </a:xfrm>
+        </p:spPr>
+        <p:txBody>
+          <a:bodyPr>
+            <a:normAutofit/>
+          </a:bodyPr>
+          <a:lstStyle/>
+          <a:p>
+            <a:pPr algn="ctr"/>
+            <a:r>
+              <a:rPr lang="pt-BR" dirty="0" smtClean="0"/>
+              <a:t>Resultados dos testes</a:t>
+            </a:r>
+            <a:endParaRPr lang="pt-BR" dirty="0"/>
+          </a:p>
+        </p:txBody>
+      </p:sp>
+      <p:sp>
+        <p:nvSpPr>
+          <p:cNvPr id="4" name="Espaço Reservado para Conteúdo 3"/>
+          <p:cNvSpPr>
+            <a:spLocks noGrp="1"/>
+          </p:cNvSpPr>
+          <p:nvPr>
+            <p:ph idx="1"/>
+          </p:nvPr>
+        </p:nvSpPr>
+        <p:spPr>
+          <a:xfrm>
+            <a:off x="921328" y="1699491"/>
+            <a:ext cx="10515600" cy="3603192"/>
+          </a:xfrm>
+        </p:spPr>
+        <p:txBody>
+          <a:bodyPr/>
+          <a:lstStyle/>
+          <a:p>
+            <a:r>
+              <a:rPr lang="pt-BR" dirty="0" smtClean="0"/>
+              <a:t>Foram testados todos endpoints (criação, atualização, listagem)</a:t>
+            </a:r>
+          </a:p>
+          <a:p>
+            <a:r>
+              <a:rPr lang="pt-BR" dirty="0" smtClean="0"/>
+              <a:t>Foi testada a regra de negocio principal (Calculo do salario)</a:t>
+            </a:r>
+          </a:p>
+          <a:p>
+            <a:r>
+              <a:rPr lang="pt-BR" dirty="0" smtClean="0"/>
+              <a:t>Foram testados todos métodos enviando parâmetros nulos</a:t>
+            </a:r>
+          </a:p>
+          <a:p>
+            <a:r>
+              <a:rPr lang="pt-BR" dirty="0" smtClean="0"/>
+              <a:t>Algumas funcionalidades do </a:t>
+            </a:r>
+            <a:r>
+              <a:rPr lang="pt-BR" dirty="0" err="1" smtClean="0"/>
+              <a:t>Frontend</a:t>
+            </a:r>
+            <a:r>
+              <a:rPr lang="pt-BR" dirty="0" smtClean="0"/>
+              <a:t> não foram testadas, pois não deu tempo de implementar tudo.</a:t>
+            </a:r>
+            <a:endParaRPr lang="pt-BR" dirty="0"/>
+          </a:p>
+        </p:txBody>
+      </p:sp>
+    </p:spTree>
+    <p:extLst>
+      <p:ext uri="{BB962C8B-B14F-4D97-AF65-F5344CB8AC3E}">
+        <p14:creationId xmlns:p14="http://schemas.microsoft.com/office/powerpoint/2010/main" val="1860477766"/>
+      </p:ext>
+    </p:extLst>
+  </p:cSld>
+  <p:clrMapOvr>
+    <a:masterClrMapping/>
+  </p:clrMapOvr>
+  <p:timing>
+    <p:tnLst>
+      <p:par>
+        <p:cTn id="1" dur="indefinite" restart="never" nodeType="tmRoot"/>
+      </p:par>
+    </p:tnLst>
+  </p:timing>
+</p:sld>
+</file>
+
+<file path=ppt/slides/slide14.xml><?xml version="1.0" encoding="utf-8"?>
+<p:sld xmlns:a="http://schemas.openxmlformats.org/drawingml/2006/main" xmlns:r="http://schemas.openxmlformats.org/officeDocument/2006/relationships" xmlns:p="http://schemas.openxmlformats.org/presentationml/2006/main">
+  <p:cSld>
+    <p:spTree>
+      <p:nvGrpSpPr>
+        <p:cNvPr id="1" name=""/>
+        <p:cNvGrpSpPr/>
+        <p:nvPr/>
+      </p:nvGrpSpPr>
+      <p:grpSpPr>
+        <a:xfrm>
+          <a:off x="0" y="0"/>
+          <a:ext cx="0" cy="0"/>
+          <a:chOff x="0" y="0"/>
+          <a:chExt cx="0" cy="0"/>
+        </a:xfrm>
+      </p:grpSpPr>
+      <p:sp>
+        <p:nvSpPr>
+          <p:cNvPr id="2" name="Título 1"/>
+          <p:cNvSpPr>
+            <a:spLocks noGrp="1"/>
+          </p:cNvSpPr>
+          <p:nvPr>
+            <p:ph type="title"/>
+          </p:nvPr>
+        </p:nvSpPr>
+        <p:spPr/>
+        <p:txBody>
+          <a:bodyPr/>
+          <a:lstStyle/>
+          <a:p>
+            <a:r>
+              <a:rPr lang="pt-BR" dirty="0" smtClean="0"/>
+              <a:t>Bibliografia</a:t>
+            </a:r>
+            <a:endParaRPr lang="pt-BR" dirty="0"/>
+          </a:p>
+        </p:txBody>
+      </p:sp>
+      <p:sp>
+        <p:nvSpPr>
+          <p:cNvPr id="3" name="Espaço Reservado para Conteúdo 2"/>
+          <p:cNvSpPr>
+            <a:spLocks noGrp="1"/>
+          </p:cNvSpPr>
+          <p:nvPr>
+            <p:ph idx="1"/>
+          </p:nvPr>
+        </p:nvSpPr>
+        <p:spPr/>
+        <p:txBody>
+          <a:bodyPr/>
+          <a:lstStyle/>
+          <a:p>
+            <a:r>
+              <a:rPr lang="pt-BR" dirty="0" smtClean="0">
+                <a:hlinkClick r:id="rId2"/>
+              </a:rPr>
+              <a:t>https://angular.io/docs</a:t>
+            </a:r>
+            <a:endParaRPr lang="pt-BR" dirty="0" smtClean="0"/>
+          </a:p>
+          <a:p>
+            <a:r>
+              <a:rPr lang="pt-BR" dirty="0" smtClean="0">
+                <a:hlinkClick r:id="rId3"/>
+              </a:rPr>
+              <a:t>https://spring.io/docs</a:t>
+            </a:r>
+            <a:endParaRPr lang="pt-BR" dirty="0" smtClean="0"/>
+          </a:p>
+          <a:p>
+            <a:r>
+              <a:rPr lang="pt-BR" dirty="0" smtClean="0">
+                <a:hlinkClick r:id="rId4"/>
+              </a:rPr>
+              <a:t>https://selenium.dev/documentation/en/</a:t>
+            </a:r>
+            <a:endParaRPr lang="pt-BR" dirty="0" smtClean="0"/>
+          </a:p>
+          <a:p>
+            <a:r>
+              <a:rPr lang="pt-BR" dirty="0" smtClean="0">
+                <a:hlinkClick r:id="rId5"/>
+              </a:rPr>
+              <a:t>http://rest-assured.io/</a:t>
+            </a:r>
+            <a:endParaRPr lang="pt-BR" dirty="0" smtClean="0"/>
+          </a:p>
+          <a:p>
+            <a:endParaRPr lang="pt-BR" dirty="0"/>
+          </a:p>
+        </p:txBody>
+      </p:sp>
+    </p:spTree>
+    <p:extLst>
+      <p:ext uri="{BB962C8B-B14F-4D97-AF65-F5344CB8AC3E}">
+        <p14:creationId xmlns:p14="http://schemas.microsoft.com/office/powerpoint/2010/main" val="3412889024"/>
+      </p:ext>
+    </p:extLst>
+  </p:cSld>
+  <p:clrMapOvr>
+    <a:masterClrMapping/>
+  </p:clrMapOvr>
+  <p:timing>
+    <p:tnLst>
+      <p:par>
+        <p:cTn id="1" dur="indefinite" restart="never" nodeType="tmRoot"/>
+      </p:par>
+    </p:tnLst>
+  </p:timing>
+</p:sld>
+</file>
+
+<file path=ppt/slides/slide15.xml><?xml version="1.0" encoding="utf-8"?>
+<p:sld xmlns:a="http://schemas.openxmlformats.org/drawingml/2006/main" xmlns:r="http://schemas.openxmlformats.org/officeDocument/2006/relationships" xmlns:p="http://schemas.openxmlformats.org/presentationml/2006/main">
+  <p:cSld>
+    <p:spTree>
+      <p:nvGrpSpPr>
+        <p:cNvPr id="1" name=""/>
+        <p:cNvGrpSpPr/>
+        <p:nvPr/>
+      </p:nvGrpSpPr>
+      <p:grpSpPr>
+        <a:xfrm>
+          <a:off x="0" y="0"/>
+          <a:ext cx="0" cy="0"/>
+          <a:chOff x="0" y="0"/>
+          <a:chExt cx="0" cy="0"/>
+        </a:xfrm>
+      </p:grpSpPr>
+      <p:sp>
+        <p:nvSpPr>
+          <p:cNvPr id="2" name="Título 1"/>
+          <p:cNvSpPr>
+            <a:spLocks noGrp="1"/>
+          </p:cNvSpPr>
+          <p:nvPr>
+            <p:ph type="ctrTitle"/>
+          </p:nvPr>
+        </p:nvSpPr>
+        <p:spPr>
+          <a:xfrm>
+            <a:off x="1394691" y="-106073"/>
+            <a:ext cx="9144000" cy="2387600"/>
+          </a:xfrm>
+        </p:spPr>
+        <p:txBody>
+          <a:bodyPr/>
+          <a:lstStyle/>
+          <a:p>
+            <a:pPr algn="ctr"/>
+            <a:r>
+              <a:rPr lang="pt-BR" dirty="0" smtClean="0"/>
+              <a:t>Obrigado!</a:t>
+            </a:r>
+            <a:endParaRPr lang="pt-BR" dirty="0"/>
+          </a:p>
+        </p:txBody>
+      </p:sp>
+      <p:sp>
+        <p:nvSpPr>
+          <p:cNvPr id="4" name="Subtítulo 3"/>
+          <p:cNvSpPr>
+            <a:spLocks noGrp="1"/>
+          </p:cNvSpPr>
+          <p:nvPr>
+            <p:ph type="subTitle" idx="1"/>
+          </p:nvPr>
+        </p:nvSpPr>
+        <p:spPr/>
+        <p:txBody>
+          <a:bodyPr/>
+          <a:lstStyle/>
+          <a:p>
+            <a:r>
+              <a:rPr lang="pt-BR" dirty="0" smtClean="0"/>
+              <a:t>Link do projeto no </a:t>
+            </a:r>
+            <a:r>
+              <a:rPr lang="pt-BR" dirty="0" err="1" smtClean="0"/>
+              <a:t>git</a:t>
+            </a:r>
+            <a:r>
+              <a:rPr lang="pt-BR" dirty="0" smtClean="0"/>
+              <a:t>: </a:t>
+            </a:r>
+            <a:r>
+              <a:rPr lang="pt-BR" dirty="0" smtClean="0">
+                <a:latin typeface="Bahnschrift SemiLight SemiConde" panose="020B0502040204020203" pitchFamily="34" charset="0"/>
+                <a:hlinkClick r:id="rId2"/>
+              </a:rPr>
+              <a:t>https://github.com/jhunior244/trabalho_testes</a:t>
+            </a:r>
+            <a:endParaRPr lang="pt-BR" dirty="0">
+              <a:latin typeface="Bahnschrift SemiLight SemiConde" panose="020B0502040204020203" pitchFamily="34" charset="0"/>
+            </a:endParaRPr>
+          </a:p>
+        </p:txBody>
+      </p:sp>
+    </p:spTree>
+    <p:extLst>
+      <p:ext uri="{BB962C8B-B14F-4D97-AF65-F5344CB8AC3E}">
+        <p14:creationId xmlns:p14="http://schemas.microsoft.com/office/powerpoint/2010/main" val="375031850"/>
+      </p:ext>
+    </p:extLst>
+  </p:cSld>
+  <p:clrMapOvr>
+    <a:masterClrMapping/>
+  </p:clrMapOvr>
+  <p:timing>
+    <p:tnLst>
+      <p:par>
+        <p:cTn id="1" dur="indefinite" restart="never" nodeType="tmRoot"/>
+      </p:par>
+    </p:tnLst>
+  </p:timing>
 </p:sld>
 </file>
 
@@ -3170,6 +3827,13 @@
   <p:clrMapOvr>
     <a:masterClrMapping/>
   </p:clrMapOvr>
+  <p:timing>
+    <p:tnLst>
+      <p:par>
+        <p:cTn id="1" dur="indefinite" restart="never" nodeType="tmRoot"/>
+      </p:par>
+    </p:tnLst>
+  </p:timing>
 </p:sld>
 </file>
 
@@ -4362,6 +5026,13 @@
   <p:clrMapOvr>
     <a:masterClrMapping/>
   </p:clrMapOvr>
+  <p:timing>
+    <p:tnLst>
+      <p:par>
+        <p:cTn id="1" dur="indefinite" restart="never" nodeType="tmRoot"/>
+      </p:par>
+    </p:tnLst>
+  </p:timing>
 </p:sld>
 </file>
 
@@ -4430,8 +5101,8 @@
         </p:blipFill>
         <p:spPr>
           <a:xfrm>
-            <a:off x="3268055" y="1690687"/>
-            <a:ext cx="6084492" cy="4549691"/>
+            <a:off x="3969373" y="1825625"/>
+            <a:ext cx="4253254" cy="4351338"/>
           </a:xfrm>
         </p:spPr>
       </p:pic>
@@ -4445,6 +5116,13 @@
   <p:clrMapOvr>
     <a:masterClrMapping/>
   </p:clrMapOvr>
+  <p:timing>
+    <p:tnLst>
+      <p:par>
+        <p:cTn id="1" dur="indefinite" restart="never" nodeType="tmRoot"/>
+      </p:par>
+    </p:tnLst>
+  </p:timing>
 </p:sld>
 </file>
 
@@ -4480,6 +5158,383 @@
           <a:bodyPr/>
           <a:lstStyle/>
           <a:p>
+            <a:pPr algn="ctr"/>
+            <a:r>
+              <a:rPr lang="pt-BR" dirty="0" smtClean="0"/>
+              <a:t>Tecnologias usadas</a:t>
+            </a:r>
+            <a:endParaRPr lang="pt-BR" dirty="0"/>
+          </a:p>
+        </p:txBody>
+      </p:sp>
+      <p:pic>
+        <p:nvPicPr>
+          <p:cNvPr id="4" name="Imagem 3"/>
+          <p:cNvPicPr>
+            <a:picLocks noChangeAspect="1"/>
+          </p:cNvPicPr>
+          <p:nvPr/>
+        </p:nvPicPr>
+        <p:blipFill>
+          <a:blip r:embed="rId2">
+            <a:extLst>
+              <a:ext uri="{28A0092B-C50C-407E-A947-70E740481C1C}">
+                <a14:useLocalDpi xmlns:a14="http://schemas.microsoft.com/office/drawing/2010/main" val="0"/>
+              </a:ext>
+            </a:extLst>
+          </a:blip>
+          <a:stretch>
+            <a:fillRect/>
+          </a:stretch>
+        </p:blipFill>
+        <p:spPr>
+          <a:xfrm>
+            <a:off x="1030706" y="1690688"/>
+            <a:ext cx="4745163" cy="3278476"/>
+          </a:xfrm>
+          <a:prstGeom prst="rect">
+            <a:avLst/>
+          </a:prstGeom>
+        </p:spPr>
+      </p:pic>
+      <p:pic>
+        <p:nvPicPr>
+          <p:cNvPr id="5" name="Imagem 4"/>
+          <p:cNvPicPr>
+            <a:picLocks noChangeAspect="1"/>
+          </p:cNvPicPr>
+          <p:nvPr/>
+        </p:nvPicPr>
+        <p:blipFill>
+          <a:blip r:embed="rId3">
+            <a:extLst>
+              <a:ext uri="{28A0092B-C50C-407E-A947-70E740481C1C}">
+                <a14:useLocalDpi xmlns:a14="http://schemas.microsoft.com/office/drawing/2010/main" val="0"/>
+              </a:ext>
+            </a:extLst>
+          </a:blip>
+          <a:stretch>
+            <a:fillRect/>
+          </a:stretch>
+        </p:blipFill>
+        <p:spPr>
+          <a:xfrm>
+            <a:off x="7415713" y="1595438"/>
+            <a:ext cx="3373726" cy="3373726"/>
+          </a:xfrm>
+          <a:prstGeom prst="rect">
+            <a:avLst/>
+          </a:prstGeom>
+        </p:spPr>
+      </p:pic>
+    </p:spTree>
+    <p:extLst>
+      <p:ext uri="{BB962C8B-B14F-4D97-AF65-F5344CB8AC3E}">
+        <p14:creationId xmlns:p14="http://schemas.microsoft.com/office/powerpoint/2010/main" val="2725618211"/>
+      </p:ext>
+    </p:extLst>
+  </p:cSld>
+  <p:clrMapOvr>
+    <a:masterClrMapping/>
+  </p:clrMapOvr>
+  <p:timing>
+    <p:tnLst>
+      <p:par>
+        <p:cTn id="1" dur="indefinite" restart="never" nodeType="tmRoot"/>
+      </p:par>
+    </p:tnLst>
+  </p:timing>
+</p:sld>
+</file>
+
+<file path=ppt/slides/slide6.xml><?xml version="1.0" encoding="utf-8"?>
+<p:sld xmlns:a="http://schemas.openxmlformats.org/drawingml/2006/main" xmlns:r="http://schemas.openxmlformats.org/officeDocument/2006/relationships" xmlns:p="http://schemas.openxmlformats.org/presentationml/2006/main">
+  <p:cSld>
+    <p:spTree>
+      <p:nvGrpSpPr>
+        <p:cNvPr id="1" name=""/>
+        <p:cNvGrpSpPr/>
+        <p:nvPr/>
+      </p:nvGrpSpPr>
+      <p:grpSpPr>
+        <a:xfrm>
+          <a:off x="0" y="0"/>
+          <a:ext cx="0" cy="0"/>
+          <a:chOff x="0" y="0"/>
+          <a:chExt cx="0" cy="0"/>
+        </a:xfrm>
+      </p:grpSpPr>
+      <p:sp>
+        <p:nvSpPr>
+          <p:cNvPr id="2" name="Título 1"/>
+          <p:cNvSpPr>
+            <a:spLocks noGrp="1"/>
+          </p:cNvSpPr>
+          <p:nvPr>
+            <p:ph type="title"/>
+          </p:nvPr>
+        </p:nvSpPr>
+        <p:spPr>
+          <a:xfrm>
+            <a:off x="806116" y="-308643"/>
+            <a:ext cx="10515600" cy="1325563"/>
+          </a:xfrm>
+        </p:spPr>
+        <p:txBody>
+          <a:bodyPr/>
+          <a:lstStyle/>
+          <a:p>
+            <a:pPr algn="ctr"/>
+            <a:r>
+              <a:rPr lang="pt-PT" dirty="0"/>
+              <a:t>Test-driven development</a:t>
+            </a:r>
+          </a:p>
+        </p:txBody>
+      </p:sp>
+      <p:pic>
+        <p:nvPicPr>
+          <p:cNvPr id="5" name="Imagem 4"/>
+          <p:cNvPicPr>
+            <a:picLocks noChangeAspect="1"/>
+          </p:cNvPicPr>
+          <p:nvPr/>
+        </p:nvPicPr>
+        <p:blipFill>
+          <a:blip r:embed="rId2"/>
+          <a:stretch>
+            <a:fillRect/>
+          </a:stretch>
+        </p:blipFill>
+        <p:spPr>
+          <a:xfrm>
+            <a:off x="1987966" y="557019"/>
+            <a:ext cx="7749592" cy="6300981"/>
+          </a:xfrm>
+          <a:prstGeom prst="rect">
+            <a:avLst/>
+          </a:prstGeom>
+        </p:spPr>
+      </p:pic>
+    </p:spTree>
+    <p:extLst>
+      <p:ext uri="{BB962C8B-B14F-4D97-AF65-F5344CB8AC3E}">
+        <p14:creationId xmlns:p14="http://schemas.microsoft.com/office/powerpoint/2010/main" val="2449880738"/>
+      </p:ext>
+    </p:extLst>
+  </p:cSld>
+  <p:clrMapOvr>
+    <a:masterClrMapping/>
+  </p:clrMapOvr>
+  <p:timing>
+    <p:tnLst>
+      <p:par>
+        <p:cTn id="1" dur="indefinite" restart="never" nodeType="tmRoot"/>
+      </p:par>
+    </p:tnLst>
+  </p:timing>
+</p:sld>
+</file>
+
+<file path=ppt/slides/slide7.xml><?xml version="1.0" encoding="utf-8"?>
+<p:sld xmlns:a="http://schemas.openxmlformats.org/drawingml/2006/main" xmlns:r="http://schemas.openxmlformats.org/officeDocument/2006/relationships" xmlns:p="http://schemas.openxmlformats.org/presentationml/2006/main">
+  <p:cSld>
+    <p:spTree>
+      <p:nvGrpSpPr>
+        <p:cNvPr id="1" name=""/>
+        <p:cNvGrpSpPr/>
+        <p:nvPr/>
+      </p:nvGrpSpPr>
+      <p:grpSpPr>
+        <a:xfrm>
+          <a:off x="0" y="0"/>
+          <a:ext cx="0" cy="0"/>
+          <a:chOff x="0" y="0"/>
+          <a:chExt cx="0" cy="0"/>
+        </a:xfrm>
+      </p:grpSpPr>
+      <p:sp>
+        <p:nvSpPr>
+          <p:cNvPr id="2" name="Título 1"/>
+          <p:cNvSpPr>
+            <a:spLocks noGrp="1"/>
+          </p:cNvSpPr>
+          <p:nvPr>
+            <p:ph type="title"/>
+          </p:nvPr>
+        </p:nvSpPr>
+        <p:spPr>
+          <a:xfrm>
+            <a:off x="790074" y="-276559"/>
+            <a:ext cx="10515600" cy="1325563"/>
+          </a:xfrm>
+        </p:spPr>
+        <p:txBody>
+          <a:bodyPr/>
+          <a:lstStyle/>
+          <a:p>
+            <a:pPr algn="ctr"/>
+            <a:r>
+              <a:rPr lang="pt-BR" dirty="0" smtClean="0"/>
+              <a:t>Método refatorado</a:t>
+            </a:r>
+            <a:endParaRPr lang="pt-BR" dirty="0"/>
+          </a:p>
+        </p:txBody>
+      </p:sp>
+      <p:pic>
+        <p:nvPicPr>
+          <p:cNvPr id="4" name="Imagem 3"/>
+          <p:cNvPicPr>
+            <a:picLocks noChangeAspect="1"/>
+          </p:cNvPicPr>
+          <p:nvPr/>
+        </p:nvPicPr>
+        <p:blipFill>
+          <a:blip r:embed="rId2"/>
+          <a:stretch>
+            <a:fillRect/>
+          </a:stretch>
+        </p:blipFill>
+        <p:spPr>
+          <a:xfrm>
+            <a:off x="1035217" y="765258"/>
+            <a:ext cx="9931322" cy="4608847"/>
+          </a:xfrm>
+          <a:prstGeom prst="rect">
+            <a:avLst/>
+          </a:prstGeom>
+        </p:spPr>
+      </p:pic>
+    </p:spTree>
+    <p:extLst>
+      <p:ext uri="{BB962C8B-B14F-4D97-AF65-F5344CB8AC3E}">
+        <p14:creationId xmlns:p14="http://schemas.microsoft.com/office/powerpoint/2010/main" val="2851255843"/>
+      </p:ext>
+    </p:extLst>
+  </p:cSld>
+  <p:clrMapOvr>
+    <a:masterClrMapping/>
+  </p:clrMapOvr>
+</p:sld>
+</file>
+
+<file path=ppt/slides/slide8.xml><?xml version="1.0" encoding="utf-8"?>
+<p:sld xmlns:a="http://schemas.openxmlformats.org/drawingml/2006/main" xmlns:r="http://schemas.openxmlformats.org/officeDocument/2006/relationships" xmlns:p="http://schemas.openxmlformats.org/presentationml/2006/main">
+  <p:cSld>
+    <p:spTree>
+      <p:nvGrpSpPr>
+        <p:cNvPr id="1" name=""/>
+        <p:cNvGrpSpPr/>
+        <p:nvPr/>
+      </p:nvGrpSpPr>
+      <p:grpSpPr>
+        <a:xfrm>
+          <a:off x="0" y="0"/>
+          <a:ext cx="0" cy="0"/>
+          <a:chOff x="0" y="0"/>
+          <a:chExt cx="0" cy="0"/>
+        </a:xfrm>
+      </p:grpSpPr>
+      <p:sp>
+        <p:nvSpPr>
+          <p:cNvPr id="2" name="Título 1"/>
+          <p:cNvSpPr>
+            <a:spLocks noGrp="1"/>
+          </p:cNvSpPr>
+          <p:nvPr>
+            <p:ph type="title"/>
+          </p:nvPr>
+        </p:nvSpPr>
+        <p:spPr>
+          <a:xfrm>
+            <a:off x="838199" y="0"/>
+            <a:ext cx="10515600" cy="1325563"/>
+          </a:xfrm>
+        </p:spPr>
+        <p:txBody>
+          <a:bodyPr/>
+          <a:lstStyle/>
+          <a:p>
+            <a:pPr algn="ctr"/>
+            <a:r>
+              <a:rPr lang="pt-BR" dirty="0" smtClean="0"/>
+              <a:t>Métodos extraídos</a:t>
+            </a:r>
+            <a:endParaRPr lang="pt-BR" dirty="0"/>
+          </a:p>
+        </p:txBody>
+      </p:sp>
+      <p:pic>
+        <p:nvPicPr>
+          <p:cNvPr id="3" name="Imagem 2"/>
+          <p:cNvPicPr>
+            <a:picLocks noChangeAspect="1"/>
+          </p:cNvPicPr>
+          <p:nvPr/>
+        </p:nvPicPr>
+        <p:blipFill>
+          <a:blip r:embed="rId2"/>
+          <a:stretch>
+            <a:fillRect/>
+          </a:stretch>
+        </p:blipFill>
+        <p:spPr>
+          <a:xfrm>
+            <a:off x="1415952" y="903119"/>
+            <a:ext cx="9360093" cy="5321218"/>
+          </a:xfrm>
+          <a:prstGeom prst="rect">
+            <a:avLst/>
+          </a:prstGeom>
+        </p:spPr>
+      </p:pic>
+    </p:spTree>
+    <p:extLst>
+      <p:ext uri="{BB962C8B-B14F-4D97-AF65-F5344CB8AC3E}">
+        <p14:creationId xmlns:p14="http://schemas.microsoft.com/office/powerpoint/2010/main" val="710944632"/>
+      </p:ext>
+    </p:extLst>
+  </p:cSld>
+  <p:clrMapOvr>
+    <a:masterClrMapping/>
+  </p:clrMapOvr>
+</p:sld>
+</file>
+
+<file path=ppt/slides/slide9.xml><?xml version="1.0" encoding="utf-8"?>
+<p:sld xmlns:a="http://schemas.openxmlformats.org/drawingml/2006/main" xmlns:r="http://schemas.openxmlformats.org/officeDocument/2006/relationships" xmlns:p="http://schemas.openxmlformats.org/presentationml/2006/main">
+  <p:cSld>
+    <p:spTree>
+      <p:nvGrpSpPr>
+        <p:cNvPr id="1" name=""/>
+        <p:cNvGrpSpPr/>
+        <p:nvPr/>
+      </p:nvGrpSpPr>
+      <p:grpSpPr>
+        <a:xfrm>
+          <a:off x="0" y="0"/>
+          <a:ext cx="0" cy="0"/>
+          <a:chOff x="0" y="0"/>
+          <a:chExt cx="0" cy="0"/>
+        </a:xfrm>
+      </p:grpSpPr>
+      <p:sp>
+        <p:nvSpPr>
+          <p:cNvPr id="2" name="Título 1"/>
+          <p:cNvSpPr>
+            <a:spLocks noGrp="1"/>
+          </p:cNvSpPr>
+          <p:nvPr>
+            <p:ph type="title"/>
+          </p:nvPr>
+        </p:nvSpPr>
+        <p:spPr/>
+        <p:txBody>
+          <a:bodyPr/>
+          <a:lstStyle/>
+          <a:p>
+            <a:pPr algn="ctr"/>
             <a:r>
               <a:rPr lang="pt-BR" dirty="0" smtClean="0"/>
               <a:t>Ferramentas usadas para os testes</a:t>
@@ -4582,281 +5637,6 @@
     <p:extLst>
       <p:ext uri="{BB962C8B-B14F-4D97-AF65-F5344CB8AC3E}">
         <p14:creationId xmlns:p14="http://schemas.microsoft.com/office/powerpoint/2010/main" val="1935224483"/>
-      </p:ext>
-    </p:extLst>
-  </p:cSld>
-  <p:clrMapOvr>
-    <a:masterClrMapping/>
-  </p:clrMapOvr>
-</p:sld>
-</file>
-
-<file path=ppt/slides/slide6.xml><?xml version="1.0" encoding="utf-8"?>
-<p:sld xmlns:a="http://schemas.openxmlformats.org/drawingml/2006/main" xmlns:r="http://schemas.openxmlformats.org/officeDocument/2006/relationships" xmlns:p="http://schemas.openxmlformats.org/presentationml/2006/main">
-  <p:cSld>
-    <p:spTree>
-      <p:nvGrpSpPr>
-        <p:cNvPr id="1" name=""/>
-        <p:cNvGrpSpPr/>
-        <p:nvPr/>
-      </p:nvGrpSpPr>
-      <p:grpSpPr>
-        <a:xfrm>
-          <a:off x="0" y="0"/>
-          <a:ext cx="0" cy="0"/>
-          <a:chOff x="0" y="0"/>
-          <a:chExt cx="0" cy="0"/>
-        </a:xfrm>
-      </p:grpSpPr>
-      <p:sp>
-        <p:nvSpPr>
-          <p:cNvPr id="2" name="Título 1"/>
-          <p:cNvSpPr>
-            <a:spLocks noGrp="1"/>
-          </p:cNvSpPr>
-          <p:nvPr>
-            <p:ph type="title"/>
-          </p:nvPr>
-        </p:nvSpPr>
-        <p:spPr>
-          <a:xfrm>
-            <a:off x="838200" y="0"/>
-            <a:ext cx="10515600" cy="1325563"/>
-          </a:xfrm>
-        </p:spPr>
-        <p:txBody>
-          <a:bodyPr/>
-          <a:lstStyle/>
-          <a:p>
-            <a:pPr algn="ctr"/>
-            <a:r>
-              <a:rPr lang="pt-BR" dirty="0" smtClean="0"/>
-              <a:t>Exemplo de teste usando </a:t>
-            </a:r>
-            <a:r>
-              <a:rPr lang="pt-BR" dirty="0" err="1" smtClean="0"/>
-              <a:t>Postman</a:t>
-            </a:r>
-            <a:endParaRPr lang="pt-BR" dirty="0"/>
-          </a:p>
-        </p:txBody>
-      </p:sp>
-      <p:pic>
-        <p:nvPicPr>
-          <p:cNvPr id="5" name="Imagem 4"/>
-          <p:cNvPicPr>
-            <a:picLocks noChangeAspect="1"/>
-          </p:cNvPicPr>
-          <p:nvPr/>
-        </p:nvPicPr>
-        <p:blipFill>
-          <a:blip r:embed="rId2"/>
-          <a:stretch>
-            <a:fillRect/>
-          </a:stretch>
-        </p:blipFill>
-        <p:spPr>
-          <a:xfrm>
-            <a:off x="1171575" y="1005137"/>
-            <a:ext cx="9848850" cy="5219199"/>
-          </a:xfrm>
-          <a:prstGeom prst="rect">
-            <a:avLst/>
-          </a:prstGeom>
-        </p:spPr>
-      </p:pic>
-    </p:spTree>
-    <p:extLst>
-      <p:ext uri="{BB962C8B-B14F-4D97-AF65-F5344CB8AC3E}">
-        <p14:creationId xmlns:p14="http://schemas.microsoft.com/office/powerpoint/2010/main" val="4080656680"/>
-      </p:ext>
-    </p:extLst>
-  </p:cSld>
-  <p:clrMapOvr>
-    <a:masterClrMapping/>
-  </p:clrMapOvr>
-</p:sld>
-</file>
-
-<file path=ppt/slides/slide7.xml><?xml version="1.0" encoding="utf-8"?>
-<p:sld xmlns:a="http://schemas.openxmlformats.org/drawingml/2006/main" xmlns:r="http://schemas.openxmlformats.org/officeDocument/2006/relationships" xmlns:p="http://schemas.openxmlformats.org/presentationml/2006/main">
-  <p:cSld>
-    <p:spTree>
-      <p:nvGrpSpPr>
-        <p:cNvPr id="1" name=""/>
-        <p:cNvGrpSpPr/>
-        <p:nvPr/>
-      </p:nvGrpSpPr>
-      <p:grpSpPr>
-        <a:xfrm>
-          <a:off x="0" y="0"/>
-          <a:ext cx="0" cy="0"/>
-          <a:chOff x="0" y="0"/>
-          <a:chExt cx="0" cy="0"/>
-        </a:xfrm>
-      </p:grpSpPr>
-      <p:sp>
-        <p:nvSpPr>
-          <p:cNvPr id="2" name="Título 1"/>
-          <p:cNvSpPr>
-            <a:spLocks noGrp="1"/>
-          </p:cNvSpPr>
-          <p:nvPr>
-            <p:ph type="title"/>
-          </p:nvPr>
-        </p:nvSpPr>
-        <p:spPr/>
-        <p:txBody>
-          <a:bodyPr/>
-          <a:lstStyle/>
-          <a:p>
-            <a:pPr algn="ctr"/>
-            <a:r>
-              <a:rPr lang="pt-BR" dirty="0" smtClean="0"/>
-              <a:t>Exemplo de teste usando REST-</a:t>
-            </a:r>
-            <a:r>
-              <a:rPr lang="pt-BR" dirty="0" err="1" smtClean="0"/>
-              <a:t>Assured</a:t>
-            </a:r>
-            <a:endParaRPr lang="pt-BR" dirty="0"/>
-          </a:p>
-        </p:txBody>
-      </p:sp>
-      <p:pic>
-        <p:nvPicPr>
-          <p:cNvPr id="3" name="Imagem 2"/>
-          <p:cNvPicPr>
-            <a:picLocks noChangeAspect="1"/>
-          </p:cNvPicPr>
-          <p:nvPr/>
-        </p:nvPicPr>
-        <p:blipFill>
-          <a:blip r:embed="rId2"/>
-          <a:stretch>
-            <a:fillRect/>
-          </a:stretch>
-        </p:blipFill>
-        <p:spPr>
-          <a:xfrm>
-            <a:off x="3039227" y="1222709"/>
-            <a:ext cx="6562725" cy="5086350"/>
-          </a:xfrm>
-          <a:prstGeom prst="rect">
-            <a:avLst/>
-          </a:prstGeom>
-        </p:spPr>
-      </p:pic>
-    </p:spTree>
-    <p:extLst>
-      <p:ext uri="{BB962C8B-B14F-4D97-AF65-F5344CB8AC3E}">
-        <p14:creationId xmlns:p14="http://schemas.microsoft.com/office/powerpoint/2010/main" val="3252310823"/>
-      </p:ext>
-    </p:extLst>
-  </p:cSld>
-  <p:clrMapOvr>
-    <a:masterClrMapping/>
-  </p:clrMapOvr>
-</p:sld>
-</file>
-
-<file path=ppt/slides/slide8.xml><?xml version="1.0" encoding="utf-8"?>
-<p:sld xmlns:a="http://schemas.openxmlformats.org/drawingml/2006/main" xmlns:r="http://schemas.openxmlformats.org/officeDocument/2006/relationships" xmlns:p="http://schemas.openxmlformats.org/presentationml/2006/main">
-  <p:cSld>
-    <p:spTree>
-      <p:nvGrpSpPr>
-        <p:cNvPr id="1" name=""/>
-        <p:cNvGrpSpPr/>
-        <p:nvPr/>
-      </p:nvGrpSpPr>
-      <p:grpSpPr>
-        <a:xfrm>
-          <a:off x="0" y="0"/>
-          <a:ext cx="0" cy="0"/>
-          <a:chOff x="0" y="0"/>
-          <a:chExt cx="0" cy="0"/>
-        </a:xfrm>
-      </p:grpSpPr>
-      <p:sp>
-        <p:nvSpPr>
-          <p:cNvPr id="2" name="Título 1"/>
-          <p:cNvSpPr>
-            <a:spLocks noGrp="1"/>
-          </p:cNvSpPr>
-          <p:nvPr>
-            <p:ph type="title"/>
-          </p:nvPr>
-        </p:nvSpPr>
-        <p:spPr/>
-        <p:txBody>
-          <a:bodyPr/>
-          <a:lstStyle/>
-          <a:p>
-            <a:pPr algn="ctr"/>
-            <a:r>
-              <a:rPr lang="pt-BR" dirty="0" smtClean="0"/>
-              <a:t>Exemplo de teste usando </a:t>
-            </a:r>
-            <a:r>
-              <a:rPr lang="pt-BR" dirty="0" err="1" smtClean="0"/>
-              <a:t>Selenium</a:t>
-            </a:r>
-            <a:endParaRPr lang="pt-BR" dirty="0"/>
-          </a:p>
-        </p:txBody>
-      </p:sp>
-      <p:pic>
-        <p:nvPicPr>
-          <p:cNvPr id="5" name="Imagem 4"/>
-          <p:cNvPicPr>
-            <a:picLocks noChangeAspect="1"/>
-          </p:cNvPicPr>
-          <p:nvPr/>
-        </p:nvPicPr>
-        <p:blipFill>
-          <a:blip r:embed="rId2"/>
-          <a:stretch>
-            <a:fillRect/>
-          </a:stretch>
-        </p:blipFill>
-        <p:spPr>
-          <a:xfrm>
-            <a:off x="284247" y="1265320"/>
-            <a:ext cx="6258926" cy="4878805"/>
-          </a:xfrm>
-          <a:prstGeom prst="rect">
-            <a:avLst/>
-          </a:prstGeom>
-        </p:spPr>
-      </p:pic>
-      <p:pic>
-        <p:nvPicPr>
-          <p:cNvPr id="6" name="Imagem 5"/>
-          <p:cNvPicPr>
-            <a:picLocks noChangeAspect="1"/>
-          </p:cNvPicPr>
-          <p:nvPr/>
-        </p:nvPicPr>
-        <p:blipFill>
-          <a:blip r:embed="rId3"/>
-          <a:stretch>
-            <a:fillRect/>
-          </a:stretch>
-        </p:blipFill>
-        <p:spPr>
-          <a:xfrm>
-            <a:off x="6543173" y="1442536"/>
-            <a:ext cx="5219700" cy="4701590"/>
-          </a:xfrm>
-          <a:prstGeom prst="rect">
-            <a:avLst/>
-          </a:prstGeom>
-        </p:spPr>
-      </p:pic>
-    </p:spTree>
-    <p:extLst>
-      <p:ext uri="{BB962C8B-B14F-4D97-AF65-F5344CB8AC3E}">
-        <p14:creationId xmlns:p14="http://schemas.microsoft.com/office/powerpoint/2010/main" val="2936259836"/>
       </p:ext>
     </p:extLst>
   </p:cSld>

--- a/trabalho de testes apresentação.pptx
+++ b/trabalho de testes apresentação.pptx
@@ -257,7 +257,7 @@
           <a:p>
             <a:fld id="{FDF68EC0-5034-4F45-827C-CBC2F8F83EF1}" type="datetimeFigureOut">
               <a:rPr lang="pt-BR" smtClean="0"/>
-              <a:t>27/11/2019</a:t>
+              <a:t>28/11/2019</a:t>
             </a:fld>
             <a:endParaRPr lang="pt-BR"/>
           </a:p>
@@ -427,7 +427,7 @@
           <a:p>
             <a:fld id="{FDF68EC0-5034-4F45-827C-CBC2F8F83EF1}" type="datetimeFigureOut">
               <a:rPr lang="pt-BR" smtClean="0"/>
-              <a:t>27/11/2019</a:t>
+              <a:t>28/11/2019</a:t>
             </a:fld>
             <a:endParaRPr lang="pt-BR"/>
           </a:p>
@@ -607,7 +607,7 @@
           <a:p>
             <a:fld id="{FDF68EC0-5034-4F45-827C-CBC2F8F83EF1}" type="datetimeFigureOut">
               <a:rPr lang="pt-BR" smtClean="0"/>
-              <a:t>27/11/2019</a:t>
+              <a:t>28/11/2019</a:t>
             </a:fld>
             <a:endParaRPr lang="pt-BR"/>
           </a:p>
@@ -777,7 +777,7 @@
           <a:p>
             <a:fld id="{FDF68EC0-5034-4F45-827C-CBC2F8F83EF1}" type="datetimeFigureOut">
               <a:rPr lang="pt-BR" smtClean="0"/>
-              <a:t>27/11/2019</a:t>
+              <a:t>28/11/2019</a:t>
             </a:fld>
             <a:endParaRPr lang="pt-BR"/>
           </a:p>
@@ -1023,7 +1023,7 @@
           <a:p>
             <a:fld id="{FDF68EC0-5034-4F45-827C-CBC2F8F83EF1}" type="datetimeFigureOut">
               <a:rPr lang="pt-BR" smtClean="0"/>
-              <a:t>27/11/2019</a:t>
+              <a:t>28/11/2019</a:t>
             </a:fld>
             <a:endParaRPr lang="pt-BR"/>
           </a:p>
@@ -1255,7 +1255,7 @@
           <a:p>
             <a:fld id="{FDF68EC0-5034-4F45-827C-CBC2F8F83EF1}" type="datetimeFigureOut">
               <a:rPr lang="pt-BR" smtClean="0"/>
-              <a:t>27/11/2019</a:t>
+              <a:t>28/11/2019</a:t>
             </a:fld>
             <a:endParaRPr lang="pt-BR"/>
           </a:p>
@@ -1622,7 +1622,7 @@
           <a:p>
             <a:fld id="{FDF68EC0-5034-4F45-827C-CBC2F8F83EF1}" type="datetimeFigureOut">
               <a:rPr lang="pt-BR" smtClean="0"/>
-              <a:t>27/11/2019</a:t>
+              <a:t>28/11/2019</a:t>
             </a:fld>
             <a:endParaRPr lang="pt-BR"/>
           </a:p>
@@ -1740,7 +1740,7 @@
           <a:p>
             <a:fld id="{FDF68EC0-5034-4F45-827C-CBC2F8F83EF1}" type="datetimeFigureOut">
               <a:rPr lang="pt-BR" smtClean="0"/>
-              <a:t>27/11/2019</a:t>
+              <a:t>28/11/2019</a:t>
             </a:fld>
             <a:endParaRPr lang="pt-BR"/>
           </a:p>
@@ -1835,7 +1835,7 @@
           <a:p>
             <a:fld id="{FDF68EC0-5034-4F45-827C-CBC2F8F83EF1}" type="datetimeFigureOut">
               <a:rPr lang="pt-BR" smtClean="0"/>
-              <a:t>27/11/2019</a:t>
+              <a:t>28/11/2019</a:t>
             </a:fld>
             <a:endParaRPr lang="pt-BR"/>
           </a:p>
@@ -2112,7 +2112,7 @@
           <a:p>
             <a:fld id="{FDF68EC0-5034-4F45-827C-CBC2F8F83EF1}" type="datetimeFigureOut">
               <a:rPr lang="pt-BR" smtClean="0"/>
-              <a:t>27/11/2019</a:t>
+              <a:t>28/11/2019</a:t>
             </a:fld>
             <a:endParaRPr lang="pt-BR"/>
           </a:p>
@@ -2365,7 +2365,7 @@
           <a:p>
             <a:fld id="{FDF68EC0-5034-4F45-827C-CBC2F8F83EF1}" type="datetimeFigureOut">
               <a:rPr lang="pt-BR" smtClean="0"/>
-              <a:t>27/11/2019</a:t>
+              <a:t>28/11/2019</a:t>
             </a:fld>
             <a:endParaRPr lang="pt-BR"/>
           </a:p>
@@ -2578,7 +2578,7 @@
           <a:p>
             <a:fld id="{FDF68EC0-5034-4F45-827C-CBC2F8F83EF1}" type="datetimeFigureOut">
               <a:rPr lang="pt-BR" smtClean="0"/>
-              <a:t>27/11/2019</a:t>
+              <a:t>28/11/2019</a:t>
             </a:fld>
             <a:endParaRPr lang="pt-BR"/>
           </a:p>
@@ -3709,15 +3709,7 @@
           <a:p>
             <a:r>
               <a:rPr lang="pt-BR" dirty="0" smtClean="0"/>
-              <a:t>Link do projeto no </a:t>
-            </a:r>
-            <a:r>
-              <a:rPr lang="pt-BR" dirty="0" err="1" smtClean="0"/>
-              <a:t>git</a:t>
-            </a:r>
-            <a:r>
-              <a:rPr lang="pt-BR" dirty="0" smtClean="0"/>
-              <a:t>: </a:t>
+              <a:t>Link do projeto no git: </a:t>
             </a:r>
             <a:r>
               <a:rPr lang="pt-BR" dirty="0" smtClean="0">
